--- a/Presentations/ML Decision Trees.pptx
+++ b/Presentations/ML Decision Trees.pptx
@@ -294,7 +294,7 @@
             <a:fld id="{1D8BD707-D9CF-40AE-B4C6-C98DA3205C09}" type="datetimeFigureOut">
               <a:rPr lang="en-US" smtClean="0"/>
               <a:pPr/>
-              <a:t>7/17/2017</a:t>
+              <a:t>11/11/2017</a:t>
             </a:fld>
             <a:endParaRPr lang="en-US"/>
           </a:p>
@@ -461,7 +461,7 @@
             <a:fld id="{1D8BD707-D9CF-40AE-B4C6-C98DA3205C09}" type="datetimeFigureOut">
               <a:rPr lang="en-US" smtClean="0"/>
               <a:pPr/>
-              <a:t>7/17/2017</a:t>
+              <a:t>11/11/2017</a:t>
             </a:fld>
             <a:endParaRPr lang="en-US"/>
           </a:p>
@@ -638,7 +638,7 @@
             <a:fld id="{1D8BD707-D9CF-40AE-B4C6-C98DA3205C09}" type="datetimeFigureOut">
               <a:rPr lang="en-US" smtClean="0"/>
               <a:pPr/>
-              <a:t>7/17/2017</a:t>
+              <a:t>11/11/2017</a:t>
             </a:fld>
             <a:endParaRPr lang="en-US"/>
           </a:p>
@@ -805,7 +805,7 @@
             <a:fld id="{1D8BD707-D9CF-40AE-B4C6-C98DA3205C09}" type="datetimeFigureOut">
               <a:rPr lang="en-US" smtClean="0"/>
               <a:pPr/>
-              <a:t>7/17/2017</a:t>
+              <a:t>11/11/2017</a:t>
             </a:fld>
             <a:endParaRPr lang="en-US"/>
           </a:p>
@@ -1048,7 +1048,7 @@
             <a:fld id="{1D8BD707-D9CF-40AE-B4C6-C98DA3205C09}" type="datetimeFigureOut">
               <a:rPr lang="en-US" smtClean="0"/>
               <a:pPr/>
-              <a:t>7/17/2017</a:t>
+              <a:t>11/11/2017</a:t>
             </a:fld>
             <a:endParaRPr lang="en-US"/>
           </a:p>
@@ -1333,7 +1333,7 @@
             <a:fld id="{1D8BD707-D9CF-40AE-B4C6-C98DA3205C09}" type="datetimeFigureOut">
               <a:rPr lang="en-US" smtClean="0"/>
               <a:pPr/>
-              <a:t>7/17/2017</a:t>
+              <a:t>11/11/2017</a:t>
             </a:fld>
             <a:endParaRPr lang="en-US"/>
           </a:p>
@@ -1752,7 +1752,7 @@
             <a:fld id="{1D8BD707-D9CF-40AE-B4C6-C98DA3205C09}" type="datetimeFigureOut">
               <a:rPr lang="en-US" smtClean="0"/>
               <a:pPr/>
-              <a:t>7/17/2017</a:t>
+              <a:t>11/11/2017</a:t>
             </a:fld>
             <a:endParaRPr lang="en-US"/>
           </a:p>
@@ -1867,7 +1867,7 @@
             <a:fld id="{1D8BD707-D9CF-40AE-B4C6-C98DA3205C09}" type="datetimeFigureOut">
               <a:rPr lang="en-US" smtClean="0"/>
               <a:pPr/>
-              <a:t>7/17/2017</a:t>
+              <a:t>11/11/2017</a:t>
             </a:fld>
             <a:endParaRPr lang="en-US"/>
           </a:p>
@@ -1959,7 +1959,7 @@
             <a:fld id="{1D8BD707-D9CF-40AE-B4C6-C98DA3205C09}" type="datetimeFigureOut">
               <a:rPr lang="en-US" smtClean="0"/>
               <a:pPr/>
-              <a:t>7/17/2017</a:t>
+              <a:t>11/11/2017</a:t>
             </a:fld>
             <a:endParaRPr lang="en-US"/>
           </a:p>
@@ -2233,7 +2233,7 @@
             <a:fld id="{1D8BD707-D9CF-40AE-B4C6-C98DA3205C09}" type="datetimeFigureOut">
               <a:rPr lang="en-US" smtClean="0"/>
               <a:pPr/>
-              <a:t>7/17/2017</a:t>
+              <a:t>11/11/2017</a:t>
             </a:fld>
             <a:endParaRPr lang="en-US"/>
           </a:p>
@@ -2483,7 +2483,7 @@
             <a:fld id="{1D8BD707-D9CF-40AE-B4C6-C98DA3205C09}" type="datetimeFigureOut">
               <a:rPr lang="en-US" smtClean="0"/>
               <a:pPr/>
-              <a:t>7/17/2017</a:t>
+              <a:t>11/11/2017</a:t>
             </a:fld>
             <a:endParaRPr lang="en-US"/>
           </a:p>
@@ -2693,7 +2693,7 @@
             <a:fld id="{1D8BD707-D9CF-40AE-B4C6-C98DA3205C09}" type="datetimeFigureOut">
               <a:rPr lang="en-US" smtClean="0"/>
               <a:pPr/>
-              <a:t>7/17/2017</a:t>
+              <a:t>11/11/2017</a:t>
             </a:fld>
             <a:endParaRPr lang="en-US"/>
           </a:p>
@@ -3135,20 +3135,10 @@
                   </a:schemeClr>
                 </a:solidFill>
               </a:rPr>
-              <a:t>Portland Data Science </a:t>
-            </a:r>
-            <a:r>
-              <a:rPr lang="en-US" sz="2400" dirty="0">
-                <a:solidFill>
-                  <a:schemeClr val="accent1">
-                    <a:lumMod val="75000"/>
-                  </a:schemeClr>
-                </a:solidFill>
-              </a:rPr>
-              <a:t>Group</a:t>
+              <a:t>Artificial Intelligence Training</a:t>
             </a:r>
             <a:br>
-              <a:rPr lang="en-US" sz="2400" dirty="0">
+              <a:rPr lang="en-US" sz="2400" dirty="0" smtClean="0">
                 <a:solidFill>
                   <a:schemeClr val="accent1">
                     <a:lumMod val="75000"/>
@@ -3157,14 +3147,24 @@
               </a:rPr>
             </a:br>
             <a:r>
-              <a:rPr lang="en-US" sz="2400" smtClean="0">
+              <a:rPr lang="en-US" sz="2400" dirty="0" smtClean="0">
                 <a:solidFill>
                   <a:schemeClr val="accent1">
                     <a:lumMod val="75000"/>
                   </a:schemeClr>
                 </a:solidFill>
               </a:rPr>
-              <a:t>Created by Andrew </a:t>
+              <a:t>Created </a:t>
+            </a:r>
+            <a:r>
+              <a:rPr lang="en-US" sz="2400" dirty="0" smtClean="0">
+                <a:solidFill>
+                  <a:schemeClr val="accent1">
+                    <a:lumMod val="75000"/>
+                  </a:schemeClr>
+                </a:solidFill>
+              </a:rPr>
+              <a:t>by Andrew </a:t>
             </a:r>
             <a:r>
               <a:rPr lang="en-US" sz="2400" dirty="0" err="1" smtClean="0">
@@ -3177,7 +3177,7 @@
               <a:t>Ferlitsch</a:t>
             </a:r>
             <a:r>
-              <a:rPr lang="en-US" sz="2400" dirty="0">
+              <a:rPr lang="en-US" sz="2400">
                 <a:solidFill>
                   <a:schemeClr val="accent1">
                     <a:lumMod val="75000"/>
@@ -3187,7 +3187,7 @@
               <a:t/>
             </a:r>
             <a:br>
-              <a:rPr lang="en-US" sz="2400" dirty="0">
+              <a:rPr lang="en-US" sz="2400">
                 <a:solidFill>
                   <a:schemeClr val="accent1">
                     <a:lumMod val="75000"/>
@@ -3196,34 +3196,14 @@
               </a:rPr>
             </a:br>
             <a:r>
-              <a:rPr lang="en-US" sz="2400" dirty="0" smtClean="0">
+              <a:rPr lang="en-US" sz="2400" smtClean="0">
                 <a:solidFill>
                   <a:schemeClr val="accent1">
                     <a:lumMod val="75000"/>
                   </a:schemeClr>
                 </a:solidFill>
               </a:rPr>
-              <a:t>Community </a:t>
-            </a:r>
-            <a:r>
-              <a:rPr lang="en-US" sz="2400" dirty="0">
-                <a:solidFill>
-                  <a:schemeClr val="accent1">
-                    <a:lumMod val="75000"/>
-                  </a:schemeClr>
-                </a:solidFill>
-              </a:rPr>
-              <a:t>Outreach </a:t>
-            </a:r>
-            <a:r>
-              <a:rPr lang="en-US" sz="2400" dirty="0" smtClean="0">
-                <a:solidFill>
-                  <a:schemeClr val="accent1">
-                    <a:lumMod val="75000"/>
-                  </a:schemeClr>
-                </a:solidFill>
-              </a:rPr>
-              <a:t>Officer</a:t>
+              <a:t>Instructor</a:t>
             </a:r>
             <a:r>
               <a:rPr lang="en-US" sz="2400" dirty="0" smtClean="0"/>
@@ -7213,7 +7193,6 @@
                         <a:rPr lang="en-US" dirty="0" smtClean="0"/>
                         <a:t>banana</a:t>
                       </a:r>
-                      <a:endParaRPr lang="en-US" dirty="0" smtClean="0"/>
                     </a:p>
                   </a:txBody>
                   <a:tcPr/>
